--- a/docs/SkyNetixHub_AWS_Architecture.pptx
+++ b/docs/SkyNetixHub_AWS_Architecture.pptx
@@ -5,9 +5,10 @@
     <p:sldMasterId id="2147483648" r:id="rId1"/>
   </p:sldMasterIdLst>
   <p:sldIdLst>
-    <p:sldId id="256" r:id="rId7"/>
-    <p:sldId id="257" r:id="rId8"/>
-    <p:sldId id="258" r:id="rId9"/>
+    <p:sldId id="256" r:id="rId2"/>
+    <p:sldId id="259" r:id="rId3"/>
+    <p:sldId id="257" r:id="rId4"/>
+    <p:sldId id="258" r:id="rId5"/>
   </p:sldIdLst>
   <p:sldSz cx="9144000" cy="6858000" type="screen4x3"/>
   <p:notesSz cx="6858000" cy="9144000"/>
@@ -106,6 +107,22 @@
       </a:defRPr>
     </a:lvl9pPr>
   </p:defaultTextStyle>
+  <p:extLst>
+    <p:ext uri="{EFAFB233-063F-42B5-8137-9DF3F51BA10A}">
+      <p15:sldGuideLst xmlns:p15="http://schemas.microsoft.com/office/powerpoint/2012/main">
+        <p15:guide id="1" orient="horz" pos="2160">
+          <p15:clr>
+            <a:srgbClr val="A4A3A4"/>
+          </p15:clr>
+        </p15:guide>
+        <p15:guide id="2" pos="2880">
+          <p15:clr>
+            <a:srgbClr val="A4A3A4"/>
+          </p15:clr>
+        </p15:guide>
+      </p15:sldGuideLst>
+    </p:ext>
+  </p:extLst>
 </p:presentation>
 </file>
 
@@ -147,10 +164,9 @@
           <a:lstStyle/>
           <a:p>
             <a:r>
-              <a:rPr lang="en-US" smtClean="0"/>
+              <a:rPr lang="en-US"/>
               <a:t>Click to edit Master title style</a:t>
             </a:r>
-            <a:endParaRPr lang="en-US"/>
           </a:p>
         </p:txBody>
       </p:sp>
@@ -266,10 +282,9 @@
           </a:lstStyle>
           <a:p>
             <a:r>
-              <a:rPr lang="en-US" smtClean="0"/>
+              <a:rPr lang="en-US"/>
               <a:t>Click to edit Master subtitle style</a:t>
             </a:r>
-            <a:endParaRPr lang="en-US"/>
           </a:p>
         </p:txBody>
       </p:sp>
@@ -290,7 +305,7 @@
           <a:p>
             <a:fld id="{5BCAD085-E8A6-8845-BD4E-CB4CCA059FC4}" type="datetimeFigureOut">
               <a:rPr lang="en-US" smtClean="0"/>
-              <a:t>1/27/13</a:t>
+              <a:t>12/27/2025</a:t>
             </a:fld>
             <a:endParaRPr lang="en-US"/>
           </a:p>
@@ -384,10 +399,9 @@
           <a:lstStyle/>
           <a:p>
             <a:r>
-              <a:rPr lang="en-US" smtClean="0"/>
+              <a:rPr lang="en-US"/>
               <a:t>Click to edit Master title style</a:t>
             </a:r>
-            <a:endParaRPr lang="en-US"/>
           </a:p>
         </p:txBody>
       </p:sp>
@@ -408,38 +422,37 @@
           <a:p>
             <a:pPr lvl="0"/>
             <a:r>
-              <a:rPr lang="en-US" smtClean="0"/>
+              <a:rPr lang="en-US"/>
               <a:t>Click to edit Master text styles</a:t>
             </a:r>
           </a:p>
           <a:p>
             <a:pPr lvl="1"/>
             <a:r>
-              <a:rPr lang="en-US" smtClean="0"/>
+              <a:rPr lang="en-US"/>
               <a:t>Second level</a:t>
             </a:r>
           </a:p>
           <a:p>
             <a:pPr lvl="2"/>
             <a:r>
-              <a:rPr lang="en-US" smtClean="0"/>
+              <a:rPr lang="en-US"/>
               <a:t>Third level</a:t>
             </a:r>
           </a:p>
           <a:p>
             <a:pPr lvl="3"/>
             <a:r>
-              <a:rPr lang="en-US" smtClean="0"/>
+              <a:rPr lang="en-US"/>
               <a:t>Fourth level</a:t>
             </a:r>
           </a:p>
           <a:p>
             <a:pPr lvl="4"/>
             <a:r>
-              <a:rPr lang="en-US" smtClean="0"/>
+              <a:rPr lang="en-US"/>
               <a:t>Fifth level</a:t>
             </a:r>
-            <a:endParaRPr lang="en-US"/>
           </a:p>
         </p:txBody>
       </p:sp>
@@ -460,7 +473,7 @@
           <a:p>
             <a:fld id="{5BCAD085-E8A6-8845-BD4E-CB4CCA059FC4}" type="datetimeFigureOut">
               <a:rPr lang="en-US" smtClean="0"/>
-              <a:t>1/27/13</a:t>
+              <a:t>12/27/2025</a:t>
             </a:fld>
             <a:endParaRPr lang="en-US"/>
           </a:p>
@@ -559,10 +572,9 @@
           <a:lstStyle/>
           <a:p>
             <a:r>
-              <a:rPr lang="en-US" smtClean="0"/>
+              <a:rPr lang="en-US"/>
               <a:t>Click to edit Master title style</a:t>
             </a:r>
-            <a:endParaRPr lang="en-US"/>
           </a:p>
         </p:txBody>
       </p:sp>
@@ -588,38 +600,37 @@
           <a:p>
             <a:pPr lvl="0"/>
             <a:r>
-              <a:rPr lang="en-US" smtClean="0"/>
+              <a:rPr lang="en-US"/>
               <a:t>Click to edit Master text styles</a:t>
             </a:r>
           </a:p>
           <a:p>
             <a:pPr lvl="1"/>
             <a:r>
-              <a:rPr lang="en-US" smtClean="0"/>
+              <a:rPr lang="en-US"/>
               <a:t>Second level</a:t>
             </a:r>
           </a:p>
           <a:p>
             <a:pPr lvl="2"/>
             <a:r>
-              <a:rPr lang="en-US" smtClean="0"/>
+              <a:rPr lang="en-US"/>
               <a:t>Third level</a:t>
             </a:r>
           </a:p>
           <a:p>
             <a:pPr lvl="3"/>
             <a:r>
-              <a:rPr lang="en-US" smtClean="0"/>
+              <a:rPr lang="en-US"/>
               <a:t>Fourth level</a:t>
             </a:r>
           </a:p>
           <a:p>
             <a:pPr lvl="4"/>
             <a:r>
-              <a:rPr lang="en-US" smtClean="0"/>
+              <a:rPr lang="en-US"/>
               <a:t>Fifth level</a:t>
             </a:r>
-            <a:endParaRPr lang="en-US"/>
           </a:p>
         </p:txBody>
       </p:sp>
@@ -640,7 +651,7 @@
           <a:p>
             <a:fld id="{5BCAD085-E8A6-8845-BD4E-CB4CCA059FC4}" type="datetimeFigureOut">
               <a:rPr lang="en-US" smtClean="0"/>
-              <a:t>1/27/13</a:t>
+              <a:t>12/27/2025</a:t>
             </a:fld>
             <a:endParaRPr lang="en-US"/>
           </a:p>
@@ -734,10 +745,9 @@
           <a:lstStyle/>
           <a:p>
             <a:r>
-              <a:rPr lang="en-US" smtClean="0"/>
+              <a:rPr lang="en-US"/>
               <a:t>Click to edit Master title style</a:t>
             </a:r>
-            <a:endParaRPr lang="en-US"/>
           </a:p>
         </p:txBody>
       </p:sp>
@@ -758,38 +768,37 @@
           <a:p>
             <a:pPr lvl="0"/>
             <a:r>
-              <a:rPr lang="en-US" smtClean="0"/>
+              <a:rPr lang="en-US"/>
               <a:t>Click to edit Master text styles</a:t>
             </a:r>
           </a:p>
           <a:p>
             <a:pPr lvl="1"/>
             <a:r>
-              <a:rPr lang="en-US" smtClean="0"/>
+              <a:rPr lang="en-US"/>
               <a:t>Second level</a:t>
             </a:r>
           </a:p>
           <a:p>
             <a:pPr lvl="2"/>
             <a:r>
-              <a:rPr lang="en-US" smtClean="0"/>
+              <a:rPr lang="en-US"/>
               <a:t>Third level</a:t>
             </a:r>
           </a:p>
           <a:p>
             <a:pPr lvl="3"/>
             <a:r>
-              <a:rPr lang="en-US" smtClean="0"/>
+              <a:rPr lang="en-US"/>
               <a:t>Fourth level</a:t>
             </a:r>
           </a:p>
           <a:p>
             <a:pPr lvl="4"/>
             <a:r>
-              <a:rPr lang="en-US" smtClean="0"/>
+              <a:rPr lang="en-US"/>
               <a:t>Fifth level</a:t>
             </a:r>
-            <a:endParaRPr lang="en-US"/>
           </a:p>
         </p:txBody>
       </p:sp>
@@ -810,7 +819,7 @@
           <a:p>
             <a:fld id="{5BCAD085-E8A6-8845-BD4E-CB4CCA059FC4}" type="datetimeFigureOut">
               <a:rPr lang="en-US" smtClean="0"/>
-              <a:t>1/27/13</a:t>
+              <a:t>12/27/2025</a:t>
             </a:fld>
             <a:endParaRPr lang="en-US"/>
           </a:p>
@@ -913,10 +922,9 @@
           </a:lstStyle>
           <a:p>
             <a:r>
-              <a:rPr lang="en-US" smtClean="0"/>
+              <a:rPr lang="en-US"/>
               <a:t>Click to edit Master title style</a:t>
             </a:r>
-            <a:endParaRPr lang="en-US"/>
           </a:p>
         </p:txBody>
       </p:sp>
@@ -1033,7 +1041,7 @@
           <a:p>
             <a:pPr lvl="0"/>
             <a:r>
-              <a:rPr lang="en-US" smtClean="0"/>
+              <a:rPr lang="en-US"/>
               <a:t>Click to edit Master text styles</a:t>
             </a:r>
           </a:p>
@@ -1056,7 +1064,7 @@
           <a:p>
             <a:fld id="{5BCAD085-E8A6-8845-BD4E-CB4CCA059FC4}" type="datetimeFigureOut">
               <a:rPr lang="en-US" smtClean="0"/>
-              <a:t>1/27/13</a:t>
+              <a:t>12/27/2025</a:t>
             </a:fld>
             <a:endParaRPr lang="en-US"/>
           </a:p>
@@ -1150,10 +1158,9 @@
           <a:lstStyle/>
           <a:p>
             <a:r>
-              <a:rPr lang="en-US" smtClean="0"/>
+              <a:rPr lang="en-US"/>
               <a:t>Click to edit Master title style</a:t>
             </a:r>
-            <a:endParaRPr lang="en-US"/>
           </a:p>
         </p:txBody>
       </p:sp>
@@ -1207,38 +1214,37 @@
           <a:p>
             <a:pPr lvl="0"/>
             <a:r>
-              <a:rPr lang="en-US" smtClean="0"/>
+              <a:rPr lang="en-US"/>
               <a:t>Click to edit Master text styles</a:t>
             </a:r>
           </a:p>
           <a:p>
             <a:pPr lvl="1"/>
             <a:r>
-              <a:rPr lang="en-US" smtClean="0"/>
+              <a:rPr lang="en-US"/>
               <a:t>Second level</a:t>
             </a:r>
           </a:p>
           <a:p>
             <a:pPr lvl="2"/>
             <a:r>
-              <a:rPr lang="en-US" smtClean="0"/>
+              <a:rPr lang="en-US"/>
               <a:t>Third level</a:t>
             </a:r>
           </a:p>
           <a:p>
             <a:pPr lvl="3"/>
             <a:r>
-              <a:rPr lang="en-US" smtClean="0"/>
+              <a:rPr lang="en-US"/>
               <a:t>Fourth level</a:t>
             </a:r>
           </a:p>
           <a:p>
             <a:pPr lvl="4"/>
             <a:r>
-              <a:rPr lang="en-US" smtClean="0"/>
+              <a:rPr lang="en-US"/>
               <a:t>Fifth level</a:t>
             </a:r>
-            <a:endParaRPr lang="en-US"/>
           </a:p>
         </p:txBody>
       </p:sp>
@@ -1292,38 +1298,37 @@
           <a:p>
             <a:pPr lvl="0"/>
             <a:r>
-              <a:rPr lang="en-US" smtClean="0"/>
+              <a:rPr lang="en-US"/>
               <a:t>Click to edit Master text styles</a:t>
             </a:r>
           </a:p>
           <a:p>
             <a:pPr lvl="1"/>
             <a:r>
-              <a:rPr lang="en-US" smtClean="0"/>
+              <a:rPr lang="en-US"/>
               <a:t>Second level</a:t>
             </a:r>
           </a:p>
           <a:p>
             <a:pPr lvl="2"/>
             <a:r>
-              <a:rPr lang="en-US" smtClean="0"/>
+              <a:rPr lang="en-US"/>
               <a:t>Third level</a:t>
             </a:r>
           </a:p>
           <a:p>
             <a:pPr lvl="3"/>
             <a:r>
-              <a:rPr lang="en-US" smtClean="0"/>
+              <a:rPr lang="en-US"/>
               <a:t>Fourth level</a:t>
             </a:r>
           </a:p>
           <a:p>
             <a:pPr lvl="4"/>
             <a:r>
-              <a:rPr lang="en-US" smtClean="0"/>
+              <a:rPr lang="en-US"/>
               <a:t>Fifth level</a:t>
             </a:r>
-            <a:endParaRPr lang="en-US"/>
           </a:p>
         </p:txBody>
       </p:sp>
@@ -1344,7 +1349,7 @@
           <a:p>
             <a:fld id="{5BCAD085-E8A6-8845-BD4E-CB4CCA059FC4}" type="datetimeFigureOut">
               <a:rPr lang="en-US" smtClean="0"/>
-              <a:t>1/27/13</a:t>
+              <a:t>12/27/2025</a:t>
             </a:fld>
             <a:endParaRPr lang="en-US"/>
           </a:p>
@@ -1442,10 +1447,9 @@
           </a:lstStyle>
           <a:p>
             <a:r>
-              <a:rPr lang="en-US" smtClean="0"/>
+              <a:rPr lang="en-US"/>
               <a:t>Click to edit Master title style</a:t>
             </a:r>
-            <a:endParaRPr lang="en-US"/>
           </a:p>
         </p:txBody>
       </p:sp>
@@ -1508,7 +1512,7 @@
           <a:p>
             <a:pPr lvl="0"/>
             <a:r>
-              <a:rPr lang="en-US" smtClean="0"/>
+              <a:rPr lang="en-US"/>
               <a:t>Click to edit Master text styles</a:t>
             </a:r>
           </a:p>
@@ -1564,38 +1568,37 @@
           <a:p>
             <a:pPr lvl="0"/>
             <a:r>
-              <a:rPr lang="en-US" smtClean="0"/>
+              <a:rPr lang="en-US"/>
               <a:t>Click to edit Master text styles</a:t>
             </a:r>
           </a:p>
           <a:p>
             <a:pPr lvl="1"/>
             <a:r>
-              <a:rPr lang="en-US" smtClean="0"/>
+              <a:rPr lang="en-US"/>
               <a:t>Second level</a:t>
             </a:r>
           </a:p>
           <a:p>
             <a:pPr lvl="2"/>
             <a:r>
-              <a:rPr lang="en-US" smtClean="0"/>
+              <a:rPr lang="en-US"/>
               <a:t>Third level</a:t>
             </a:r>
           </a:p>
           <a:p>
             <a:pPr lvl="3"/>
             <a:r>
-              <a:rPr lang="en-US" smtClean="0"/>
+              <a:rPr lang="en-US"/>
               <a:t>Fourth level</a:t>
             </a:r>
           </a:p>
           <a:p>
             <a:pPr lvl="4"/>
             <a:r>
-              <a:rPr lang="en-US" smtClean="0"/>
+              <a:rPr lang="en-US"/>
               <a:t>Fifth level</a:t>
             </a:r>
-            <a:endParaRPr lang="en-US"/>
           </a:p>
         </p:txBody>
       </p:sp>
@@ -1658,7 +1661,7 @@
           <a:p>
             <a:pPr lvl="0"/>
             <a:r>
-              <a:rPr lang="en-US" smtClean="0"/>
+              <a:rPr lang="en-US"/>
               <a:t>Click to edit Master text styles</a:t>
             </a:r>
           </a:p>
@@ -1714,38 +1717,37 @@
           <a:p>
             <a:pPr lvl="0"/>
             <a:r>
-              <a:rPr lang="en-US" smtClean="0"/>
+              <a:rPr lang="en-US"/>
               <a:t>Click to edit Master text styles</a:t>
             </a:r>
           </a:p>
           <a:p>
             <a:pPr lvl="1"/>
             <a:r>
-              <a:rPr lang="en-US" smtClean="0"/>
+              <a:rPr lang="en-US"/>
               <a:t>Second level</a:t>
             </a:r>
           </a:p>
           <a:p>
             <a:pPr lvl="2"/>
             <a:r>
-              <a:rPr lang="en-US" smtClean="0"/>
+              <a:rPr lang="en-US"/>
               <a:t>Third level</a:t>
             </a:r>
           </a:p>
           <a:p>
             <a:pPr lvl="3"/>
             <a:r>
-              <a:rPr lang="en-US" smtClean="0"/>
+              <a:rPr lang="en-US"/>
               <a:t>Fourth level</a:t>
             </a:r>
           </a:p>
           <a:p>
             <a:pPr lvl="4"/>
             <a:r>
-              <a:rPr lang="en-US" smtClean="0"/>
+              <a:rPr lang="en-US"/>
               <a:t>Fifth level</a:t>
             </a:r>
-            <a:endParaRPr lang="en-US"/>
           </a:p>
         </p:txBody>
       </p:sp>
@@ -1766,7 +1768,7 @@
           <a:p>
             <a:fld id="{5BCAD085-E8A6-8845-BD4E-CB4CCA059FC4}" type="datetimeFigureOut">
               <a:rPr lang="en-US" smtClean="0"/>
-              <a:t>1/27/13</a:t>
+              <a:t>12/27/2025</a:t>
             </a:fld>
             <a:endParaRPr lang="en-US"/>
           </a:p>
@@ -1860,10 +1862,9 @@
           <a:lstStyle/>
           <a:p>
             <a:r>
-              <a:rPr lang="en-US" smtClean="0"/>
+              <a:rPr lang="en-US"/>
               <a:t>Click to edit Master title style</a:t>
             </a:r>
-            <a:endParaRPr lang="en-US"/>
           </a:p>
         </p:txBody>
       </p:sp>
@@ -1884,7 +1885,7 @@
           <a:p>
             <a:fld id="{5BCAD085-E8A6-8845-BD4E-CB4CCA059FC4}" type="datetimeFigureOut">
               <a:rPr lang="en-US" smtClean="0"/>
-              <a:t>1/27/13</a:t>
+              <a:t>12/27/2025</a:t>
             </a:fld>
             <a:endParaRPr lang="en-US"/>
           </a:p>
@@ -1979,7 +1980,7 @@
           <a:p>
             <a:fld id="{5BCAD085-E8A6-8845-BD4E-CB4CCA059FC4}" type="datetimeFigureOut">
               <a:rPr lang="en-US" smtClean="0"/>
-              <a:t>1/27/13</a:t>
+              <a:t>12/27/2025</a:t>
             </a:fld>
             <a:endParaRPr lang="en-US"/>
           </a:p>
@@ -2082,10 +2083,9 @@
           </a:lstStyle>
           <a:p>
             <a:r>
-              <a:rPr lang="en-US" smtClean="0"/>
+              <a:rPr lang="en-US"/>
               <a:t>Click to edit Master title style</a:t>
             </a:r>
-            <a:endParaRPr lang="en-US"/>
           </a:p>
         </p:txBody>
       </p:sp>
@@ -2139,38 +2139,37 @@
           <a:p>
             <a:pPr lvl="0"/>
             <a:r>
-              <a:rPr lang="en-US" smtClean="0"/>
+              <a:rPr lang="en-US"/>
               <a:t>Click to edit Master text styles</a:t>
             </a:r>
           </a:p>
           <a:p>
             <a:pPr lvl="1"/>
             <a:r>
-              <a:rPr lang="en-US" smtClean="0"/>
+              <a:rPr lang="en-US"/>
               <a:t>Second level</a:t>
             </a:r>
           </a:p>
           <a:p>
             <a:pPr lvl="2"/>
             <a:r>
-              <a:rPr lang="en-US" smtClean="0"/>
+              <a:rPr lang="en-US"/>
               <a:t>Third level</a:t>
             </a:r>
           </a:p>
           <a:p>
             <a:pPr lvl="3"/>
             <a:r>
-              <a:rPr lang="en-US" smtClean="0"/>
+              <a:rPr lang="en-US"/>
               <a:t>Fourth level</a:t>
             </a:r>
           </a:p>
           <a:p>
             <a:pPr lvl="4"/>
             <a:r>
-              <a:rPr lang="en-US" smtClean="0"/>
+              <a:rPr lang="en-US"/>
               <a:t>Fifth level</a:t>
             </a:r>
-            <a:endParaRPr lang="en-US"/>
           </a:p>
         </p:txBody>
       </p:sp>
@@ -2233,7 +2232,7 @@
           <a:p>
             <a:pPr lvl="0"/>
             <a:r>
-              <a:rPr lang="en-US" smtClean="0"/>
+              <a:rPr lang="en-US"/>
               <a:t>Click to edit Master text styles</a:t>
             </a:r>
           </a:p>
@@ -2256,7 +2255,7 @@
           <a:p>
             <a:fld id="{5BCAD085-E8A6-8845-BD4E-CB4CCA059FC4}" type="datetimeFigureOut">
               <a:rPr lang="en-US" smtClean="0"/>
-              <a:t>1/27/13</a:t>
+              <a:t>12/27/2025</a:t>
             </a:fld>
             <a:endParaRPr lang="en-US"/>
           </a:p>
@@ -2359,10 +2358,9 @@
           </a:lstStyle>
           <a:p>
             <a:r>
-              <a:rPr lang="en-US" smtClean="0"/>
+              <a:rPr lang="en-US"/>
               <a:t>Click to edit Master title style</a:t>
             </a:r>
-            <a:endParaRPr lang="en-US"/>
           </a:p>
         </p:txBody>
       </p:sp>
@@ -2486,7 +2484,7 @@
           <a:p>
             <a:pPr lvl="0"/>
             <a:r>
-              <a:rPr lang="en-US" smtClean="0"/>
+              <a:rPr lang="en-US"/>
               <a:t>Click to edit Master text styles</a:t>
             </a:r>
           </a:p>
@@ -2509,7 +2507,7 @@
           <a:p>
             <a:fld id="{5BCAD085-E8A6-8845-BD4E-CB4CCA059FC4}" type="datetimeFigureOut">
               <a:rPr lang="en-US" smtClean="0"/>
-              <a:t>1/27/13</a:t>
+              <a:t>12/27/2025</a:t>
             </a:fld>
             <a:endParaRPr lang="en-US"/>
           </a:p>
@@ -2618,10 +2616,9 @@
           <a:lstStyle/>
           <a:p>
             <a:r>
-              <a:rPr lang="en-US" smtClean="0"/>
+              <a:rPr lang="en-US"/>
               <a:t>Click to edit Master title style</a:t>
             </a:r>
-            <a:endParaRPr lang="en-US"/>
           </a:p>
         </p:txBody>
       </p:sp>
@@ -2652,38 +2649,37 @@
           <a:p>
             <a:pPr lvl="0"/>
             <a:r>
-              <a:rPr lang="en-US" smtClean="0"/>
+              <a:rPr lang="en-US"/>
               <a:t>Click to edit Master text styles</a:t>
             </a:r>
           </a:p>
           <a:p>
             <a:pPr lvl="1"/>
             <a:r>
-              <a:rPr lang="en-US" smtClean="0"/>
+              <a:rPr lang="en-US"/>
               <a:t>Second level</a:t>
             </a:r>
           </a:p>
           <a:p>
             <a:pPr lvl="2"/>
             <a:r>
-              <a:rPr lang="en-US" smtClean="0"/>
+              <a:rPr lang="en-US"/>
               <a:t>Third level</a:t>
             </a:r>
           </a:p>
           <a:p>
             <a:pPr lvl="3"/>
             <a:r>
-              <a:rPr lang="en-US" smtClean="0"/>
+              <a:rPr lang="en-US"/>
               <a:t>Fourth level</a:t>
             </a:r>
           </a:p>
           <a:p>
             <a:pPr lvl="4"/>
             <a:r>
-              <a:rPr lang="en-US" smtClean="0"/>
+              <a:rPr lang="en-US"/>
               <a:t>Fifth level</a:t>
             </a:r>
-            <a:endParaRPr lang="en-US"/>
           </a:p>
         </p:txBody>
       </p:sp>
@@ -2722,7 +2718,7 @@
           <a:p>
             <a:fld id="{5BCAD085-E8A6-8845-BD4E-CB4CCA059FC4}" type="datetimeFigureOut">
               <a:rPr lang="en-US" smtClean="0"/>
-              <a:t>1/27/13</a:t>
+              <a:t>12/27/2025</a:t>
             </a:fld>
             <a:endParaRPr lang="en-US"/>
           </a:p>
@@ -3081,7 +3077,7 @@
 </file>
 
 <file path=ppt/slides/slide1.xml><?xml version="1.0" encoding="utf-8"?>
-<p:sld xmlns:a="http://schemas.openxmlformats.org/drawingml/2006/main" xmlns:p="http://schemas.openxmlformats.org/presentationml/2006/main" xmlns:r="http://schemas.openxmlformats.org/officeDocument/2006/relationships">
+<p:sld xmlns:a="http://schemas.openxmlformats.org/drawingml/2006/main" xmlns:r="http://schemas.openxmlformats.org/officeDocument/2006/relationships" xmlns:p="http://schemas.openxmlformats.org/presentationml/2006/main">
   <p:cSld>
     <p:spTree>
       <p:nvGrpSpPr>
@@ -3089,7 +3085,14 @@
         <p:cNvGrpSpPr/>
         <p:nvPr/>
       </p:nvGrpSpPr>
-      <p:grpSpPr/>
+      <p:grpSpPr>
+        <a:xfrm>
+          <a:off x="0" y="0"/>
+          <a:ext cx="0" cy="0"/>
+          <a:chOff x="0" y="0"/>
+          <a:chExt cx="0" cy="0"/>
+        </a:xfrm>
+      </p:grpSpPr>
       <p:sp>
         <p:nvSpPr>
           <p:cNvPr id="2" name="TextBox 1"/>
@@ -3099,7 +3102,7 @@
         <p:spPr>
           <a:xfrm>
             <a:off x="457200" y="182880"/>
-            <a:ext cx="8229600" cy="914400"/>
+            <a:ext cx="8501045" cy="646331"/>
           </a:xfrm>
           <a:prstGeom prst="rect">
             <a:avLst/>
@@ -3113,207 +3116,54 @@
           <a:lstStyle/>
           <a:p>
             <a:r>
-              <a:t>SkyNetixHub - High-Level SaaS Architecture</a:t>
-            </a:r>
-          </a:p>
-        </p:txBody>
-      </p:sp>
-      <p:sp>
-        <p:nvSpPr>
-          <p:cNvPr id="3" name="TextBox 2"/>
-          <p:cNvSpPr txBox="1"/>
+              <a:rPr sz="3600" b="1" dirty="0" err="1">
+                <a:solidFill>
+                  <a:srgbClr val="002060"/>
+                </a:solidFill>
+              </a:rPr>
+              <a:t>SkyNetixHub</a:t>
+            </a:r>
+            <a:r>
+              <a:rPr sz="3600" b="1" dirty="0">
+                <a:solidFill>
+                  <a:srgbClr val="002060"/>
+                </a:solidFill>
+              </a:rPr>
+              <a:t> - High-Level SaaS Architecture</a:t>
+            </a:r>
+          </a:p>
+        </p:txBody>
+      </p:sp>
+      <p:pic>
+        <p:nvPicPr>
+          <p:cNvPr id="23" name="Picture 22" descr="A computer screen shot of a computer&#10;&#10;AI-generated content may be incorrect.">
+            <a:extLst>
+              <a:ext uri="{FF2B5EF4-FFF2-40B4-BE49-F238E27FC236}">
+                <a16:creationId xmlns:a16="http://schemas.microsoft.com/office/drawing/2014/main" id="{4C0D7021-E60E-5787-FC1E-4F51349F41A7}"/>
+              </a:ext>
+            </a:extLst>
+          </p:cNvPr>
+          <p:cNvPicPr>
+            <a:picLocks noChangeAspect="1"/>
+          </p:cNvPicPr>
           <p:nvPr/>
-        </p:nvSpPr>
-        <p:spPr>
-          <a:xfrm>
-            <a:off x="640080" y="1097280"/>
-            <a:ext cx="7772400" cy="365760"/>
+        </p:nvPicPr>
+        <p:blipFill>
+          <a:blip r:embed="rId2"/>
+          <a:stretch>
+            <a:fillRect/>
+          </a:stretch>
+        </p:blipFill>
+        <p:spPr>
+          <a:xfrm>
+            <a:off x="0" y="1206074"/>
+            <a:ext cx="9144000" cy="4445852"/>
           </a:xfrm>
           <a:prstGeom prst="rect">
             <a:avLst/>
           </a:prstGeom>
-          <a:noFill/>
-        </p:spPr>
-        <p:txBody>
-          <a:bodyPr wrap="none">
-            <a:spAutoFit/>
-          </a:bodyPr>
-          <a:lstStyle/>
-          <a:p>
-            <a:r>
-              <a:t>👤 Users → Tenant Subdomains (*.skynetixhub.com)</a:t>
-            </a:r>
-          </a:p>
-        </p:txBody>
-      </p:sp>
-      <p:sp>
-        <p:nvSpPr>
-          <p:cNvPr id="4" name="TextBox 3"/>
-          <p:cNvSpPr txBox="1"/>
-          <p:nvPr/>
-        </p:nvSpPr>
-        <p:spPr>
-          <a:xfrm>
-            <a:off x="640080" y="1508760"/>
-            <a:ext cx="7772400" cy="365760"/>
-          </a:xfrm>
-          <a:prstGeom prst="rect">
-            <a:avLst/>
-          </a:prstGeom>
-          <a:noFill/>
-        </p:spPr>
-        <p:txBody>
-          <a:bodyPr wrap="none">
-            <a:spAutoFit/>
-          </a:bodyPr>
-          <a:lstStyle/>
-          <a:p>
-            <a:r>
-              <a:t>🌐 Route53 → Load Balancer (HTTPS, ACM Certificate)</a:t>
-            </a:r>
-          </a:p>
-        </p:txBody>
-      </p:sp>
-      <p:sp>
-        <p:nvSpPr>
-          <p:cNvPr id="5" name="TextBox 4"/>
-          <p:cNvSpPr txBox="1"/>
-          <p:nvPr/>
-        </p:nvSpPr>
-        <p:spPr>
-          <a:xfrm>
-            <a:off x="640080" y="1920240"/>
-            <a:ext cx="7772400" cy="365760"/>
-          </a:xfrm>
-          <a:prstGeom prst="rect">
-            <a:avLst/>
-          </a:prstGeom>
-          <a:noFill/>
-        </p:spPr>
-        <p:txBody>
-          <a:bodyPr wrap="none">
-            <a:spAutoFit/>
-          </a:bodyPr>
-          <a:lstStyle/>
-          <a:p>
-            <a:r>
-              <a:t>🚢 ECS Fargate → Spring Boot Microservices</a:t>
-            </a:r>
-          </a:p>
-        </p:txBody>
-      </p:sp>
-      <p:sp>
-        <p:nvSpPr>
-          <p:cNvPr id="6" name="TextBox 5"/>
-          <p:cNvSpPr txBox="1"/>
-          <p:nvPr/>
-        </p:nvSpPr>
-        <p:spPr>
-          <a:xfrm>
-            <a:off x="640080" y="2331720"/>
-            <a:ext cx="7772400" cy="365760"/>
-          </a:xfrm>
-          <a:prstGeom prst="rect">
-            <a:avLst/>
-          </a:prstGeom>
-          <a:noFill/>
-        </p:spPr>
-        <p:txBody>
-          <a:bodyPr wrap="none">
-            <a:spAutoFit/>
-          </a:bodyPr>
-          <a:lstStyle/>
-          <a:p>
-            <a:r>
-              <a:t>🗄️ RDS PostgreSQL (Schema-per-tenant)</a:t>
-            </a:r>
-          </a:p>
-        </p:txBody>
-      </p:sp>
-      <p:sp>
-        <p:nvSpPr>
-          <p:cNvPr id="7" name="TextBox 6"/>
-          <p:cNvSpPr txBox="1"/>
-          <p:nvPr/>
-        </p:nvSpPr>
-        <p:spPr>
-          <a:xfrm>
-            <a:off x="640080" y="2743200"/>
-            <a:ext cx="7772400" cy="365760"/>
-          </a:xfrm>
-          <a:prstGeom prst="rect">
-            <a:avLst/>
-          </a:prstGeom>
-          <a:noFill/>
-        </p:spPr>
-        <p:txBody>
-          <a:bodyPr wrap="none">
-            <a:spAutoFit/>
-          </a:bodyPr>
-          <a:lstStyle/>
-          <a:p>
-            <a:r>
-              <a:t>🗂️ S3 + CloudFront (React UI hosting)</a:t>
-            </a:r>
-          </a:p>
-        </p:txBody>
-      </p:sp>
-      <p:sp>
-        <p:nvSpPr>
-          <p:cNvPr id="8" name="TextBox 7"/>
-          <p:cNvSpPr txBox="1"/>
-          <p:nvPr/>
-        </p:nvSpPr>
-        <p:spPr>
-          <a:xfrm>
-            <a:off x="640080" y="3154680"/>
-            <a:ext cx="7772400" cy="365760"/>
-          </a:xfrm>
-          <a:prstGeom prst="rect">
-            <a:avLst/>
-          </a:prstGeom>
-          <a:noFill/>
-        </p:spPr>
-        <p:txBody>
-          <a:bodyPr wrap="none">
-            <a:spAutoFit/>
-          </a:bodyPr>
-          <a:lstStyle/>
-          <a:p>
-            <a:r>
-              <a:t>✉️ SES (Email Alerts &amp; Onboarding)</a:t>
-            </a:r>
-          </a:p>
-        </p:txBody>
-      </p:sp>
-      <p:sp>
-        <p:nvSpPr>
-          <p:cNvPr id="9" name="TextBox 8"/>
-          <p:cNvSpPr txBox="1"/>
-          <p:nvPr/>
-        </p:nvSpPr>
-        <p:spPr>
-          <a:xfrm>
-            <a:off x="640080" y="3566160"/>
-            <a:ext cx="7772400" cy="365760"/>
-          </a:xfrm>
-          <a:prstGeom prst="rect">
-            <a:avLst/>
-          </a:prstGeom>
-          <a:noFill/>
-        </p:spPr>
-        <p:txBody>
-          <a:bodyPr wrap="none">
-            <a:spAutoFit/>
-          </a:bodyPr>
-          <a:lstStyle/>
-          <a:p>
-            <a:r>
-              <a:t>💳 Razorpay (Billing &amp; Payments)</a:t>
-            </a:r>
-          </a:p>
-        </p:txBody>
-      </p:sp>
+        </p:spPr>
+      </p:pic>
     </p:spTree>
   </p:cSld>
   <p:clrMapOvr>
@@ -3323,7 +3173,7 @@
 </file>
 
 <file path=ppt/slides/slide2.xml><?xml version="1.0" encoding="utf-8"?>
-<p:sld xmlns:a="http://schemas.openxmlformats.org/drawingml/2006/main" xmlns:p="http://schemas.openxmlformats.org/presentationml/2006/main" xmlns:r="http://schemas.openxmlformats.org/officeDocument/2006/relationships">
+<p:sld xmlns:a="http://schemas.openxmlformats.org/drawingml/2006/main" xmlns:r="http://schemas.openxmlformats.org/officeDocument/2006/relationships" xmlns:p="http://schemas.openxmlformats.org/presentationml/2006/main">
   <p:cSld>
     <p:spTree>
       <p:nvGrpSpPr>
@@ -3331,7 +3181,241 @@
         <p:cNvGrpSpPr/>
         <p:nvPr/>
       </p:nvGrpSpPr>
-      <p:grpSpPr/>
+      <p:grpSpPr>
+        <a:xfrm>
+          <a:off x="0" y="0"/>
+          <a:ext cx="0" cy="0"/>
+          <a:chOff x="0" y="0"/>
+          <a:chExt cx="0" cy="0"/>
+        </a:xfrm>
+      </p:grpSpPr>
+      <p:sp>
+        <p:nvSpPr>
+          <p:cNvPr id="3" name="TextBox 2"/>
+          <p:cNvSpPr txBox="1"/>
+          <p:nvPr/>
+        </p:nvSpPr>
+        <p:spPr>
+          <a:xfrm>
+            <a:off x="640080" y="2119829"/>
+            <a:ext cx="7772400" cy="365760"/>
+          </a:xfrm>
+          <a:prstGeom prst="rect">
+            <a:avLst/>
+          </a:prstGeom>
+          <a:noFill/>
+        </p:spPr>
+        <p:txBody>
+          <a:bodyPr wrap="none">
+            <a:spAutoFit/>
+          </a:bodyPr>
+          <a:lstStyle/>
+          <a:p>
+            <a:r>
+              <a:rPr dirty="0"/>
+              <a:t>👤 Users → Tenant Subdomains (*.skynetixhub.com)</a:t>
+            </a:r>
+          </a:p>
+        </p:txBody>
+      </p:sp>
+      <p:sp>
+        <p:nvSpPr>
+          <p:cNvPr id="4" name="TextBox 3"/>
+          <p:cNvSpPr txBox="1"/>
+          <p:nvPr/>
+        </p:nvSpPr>
+        <p:spPr>
+          <a:xfrm>
+            <a:off x="640080" y="2531309"/>
+            <a:ext cx="7772400" cy="365760"/>
+          </a:xfrm>
+          <a:prstGeom prst="rect">
+            <a:avLst/>
+          </a:prstGeom>
+          <a:noFill/>
+        </p:spPr>
+        <p:txBody>
+          <a:bodyPr wrap="none">
+            <a:spAutoFit/>
+          </a:bodyPr>
+          <a:lstStyle/>
+          <a:p>
+            <a:r>
+              <a:t>🌐 Route53 → Load Balancer (HTTPS, ACM Certificate)</a:t>
+            </a:r>
+          </a:p>
+        </p:txBody>
+      </p:sp>
+      <p:sp>
+        <p:nvSpPr>
+          <p:cNvPr id="5" name="TextBox 4"/>
+          <p:cNvSpPr txBox="1"/>
+          <p:nvPr/>
+        </p:nvSpPr>
+        <p:spPr>
+          <a:xfrm>
+            <a:off x="640080" y="2942789"/>
+            <a:ext cx="7772400" cy="365760"/>
+          </a:xfrm>
+          <a:prstGeom prst="rect">
+            <a:avLst/>
+          </a:prstGeom>
+          <a:noFill/>
+        </p:spPr>
+        <p:txBody>
+          <a:bodyPr wrap="none">
+            <a:spAutoFit/>
+          </a:bodyPr>
+          <a:lstStyle/>
+          <a:p>
+            <a:r>
+              <a:t>🚢 ECS Fargate → Spring Boot Microservices</a:t>
+            </a:r>
+          </a:p>
+        </p:txBody>
+      </p:sp>
+      <p:sp>
+        <p:nvSpPr>
+          <p:cNvPr id="6" name="TextBox 5"/>
+          <p:cNvSpPr txBox="1"/>
+          <p:nvPr/>
+        </p:nvSpPr>
+        <p:spPr>
+          <a:xfrm>
+            <a:off x="640080" y="3354269"/>
+            <a:ext cx="7772400" cy="365760"/>
+          </a:xfrm>
+          <a:prstGeom prst="rect">
+            <a:avLst/>
+          </a:prstGeom>
+          <a:noFill/>
+        </p:spPr>
+        <p:txBody>
+          <a:bodyPr wrap="none">
+            <a:spAutoFit/>
+          </a:bodyPr>
+          <a:lstStyle/>
+          <a:p>
+            <a:r>
+              <a:t>🗄️ RDS PostgreSQL (Schema-per-tenant)</a:t>
+            </a:r>
+          </a:p>
+        </p:txBody>
+      </p:sp>
+      <p:sp>
+        <p:nvSpPr>
+          <p:cNvPr id="7" name="TextBox 6"/>
+          <p:cNvSpPr txBox="1"/>
+          <p:nvPr/>
+        </p:nvSpPr>
+        <p:spPr>
+          <a:xfrm>
+            <a:off x="640080" y="3765749"/>
+            <a:ext cx="7772400" cy="365760"/>
+          </a:xfrm>
+          <a:prstGeom prst="rect">
+            <a:avLst/>
+          </a:prstGeom>
+          <a:noFill/>
+        </p:spPr>
+        <p:txBody>
+          <a:bodyPr wrap="none">
+            <a:spAutoFit/>
+          </a:bodyPr>
+          <a:lstStyle/>
+          <a:p>
+            <a:r>
+              <a:t>🗂️ S3 + CloudFront (React UI hosting)</a:t>
+            </a:r>
+          </a:p>
+        </p:txBody>
+      </p:sp>
+      <p:sp>
+        <p:nvSpPr>
+          <p:cNvPr id="8" name="TextBox 7"/>
+          <p:cNvSpPr txBox="1"/>
+          <p:nvPr/>
+        </p:nvSpPr>
+        <p:spPr>
+          <a:xfrm>
+            <a:off x="640080" y="4177229"/>
+            <a:ext cx="7772400" cy="365760"/>
+          </a:xfrm>
+          <a:prstGeom prst="rect">
+            <a:avLst/>
+          </a:prstGeom>
+          <a:noFill/>
+        </p:spPr>
+        <p:txBody>
+          <a:bodyPr wrap="none">
+            <a:spAutoFit/>
+          </a:bodyPr>
+          <a:lstStyle/>
+          <a:p>
+            <a:r>
+              <a:t>✉️ SES (Email Alerts &amp; Onboarding)</a:t>
+            </a:r>
+          </a:p>
+        </p:txBody>
+      </p:sp>
+      <p:sp>
+        <p:nvSpPr>
+          <p:cNvPr id="9" name="TextBox 8"/>
+          <p:cNvSpPr txBox="1"/>
+          <p:nvPr/>
+        </p:nvSpPr>
+        <p:spPr>
+          <a:xfrm>
+            <a:off x="640080" y="4588709"/>
+            <a:ext cx="7772400" cy="365760"/>
+          </a:xfrm>
+          <a:prstGeom prst="rect">
+            <a:avLst/>
+          </a:prstGeom>
+          <a:noFill/>
+        </p:spPr>
+        <p:txBody>
+          <a:bodyPr wrap="none">
+            <a:spAutoFit/>
+          </a:bodyPr>
+          <a:lstStyle/>
+          <a:p>
+            <a:r>
+              <a:t>💳 Razorpay (Billing &amp; Payments)</a:t>
+            </a:r>
+          </a:p>
+        </p:txBody>
+      </p:sp>
+    </p:spTree>
+    <p:extLst>
+      <p:ext uri="{BB962C8B-B14F-4D97-AF65-F5344CB8AC3E}">
+        <p14:creationId xmlns:p14="http://schemas.microsoft.com/office/powerpoint/2010/main" val="2241662621"/>
+      </p:ext>
+    </p:extLst>
+  </p:cSld>
+  <p:clrMapOvr>
+    <a:masterClrMapping/>
+  </p:clrMapOvr>
+</p:sld>
+</file>
+
+<file path=ppt/slides/slide3.xml><?xml version="1.0" encoding="utf-8"?>
+<p:sld xmlns:a="http://schemas.openxmlformats.org/drawingml/2006/main" xmlns:r="http://schemas.openxmlformats.org/officeDocument/2006/relationships" xmlns:p="http://schemas.openxmlformats.org/presentationml/2006/main">
+  <p:cSld>
+    <p:spTree>
+      <p:nvGrpSpPr>
+        <p:cNvPr id="1" name=""/>
+        <p:cNvGrpSpPr/>
+        <p:nvPr/>
+      </p:nvGrpSpPr>
+      <p:grpSpPr>
+        <a:xfrm>
+          <a:off x="0" y="0"/>
+          <a:ext cx="0" cy="0"/>
+          <a:chOff x="0" y="0"/>
+          <a:chExt cx="0" cy="0"/>
+        </a:xfrm>
+      </p:grpSpPr>
       <p:sp>
         <p:nvSpPr>
           <p:cNvPr id="2" name="TextBox 1"/>
@@ -3508,8 +3592,8 @@
 </p:sld>
 </file>
 
-<file path=ppt/slides/slide3.xml><?xml version="1.0" encoding="utf-8"?>
-<p:sld xmlns:a="http://schemas.openxmlformats.org/drawingml/2006/main" xmlns:p="http://schemas.openxmlformats.org/presentationml/2006/main" xmlns:r="http://schemas.openxmlformats.org/officeDocument/2006/relationships">
+<file path=ppt/slides/slide4.xml><?xml version="1.0" encoding="utf-8"?>
+<p:sld xmlns:a="http://schemas.openxmlformats.org/drawingml/2006/main" xmlns:r="http://schemas.openxmlformats.org/officeDocument/2006/relationships" xmlns:p="http://schemas.openxmlformats.org/presentationml/2006/main">
   <p:cSld>
     <p:spTree>
       <p:nvGrpSpPr>
@@ -3517,7 +3601,14 @@
         <p:cNvGrpSpPr/>
         <p:nvPr/>
       </p:nvGrpSpPr>
-      <p:grpSpPr/>
+      <p:grpSpPr>
+        <a:xfrm>
+          <a:off x="0" y="0"/>
+          <a:ext cx="0" cy="0"/>
+          <a:chOff x="0" y="0"/>
+          <a:chExt cx="0" cy="0"/>
+        </a:xfrm>
+      </p:grpSpPr>
       <p:sp>
         <p:nvSpPr>
           <p:cNvPr id="2" name="TextBox 1"/>
